--- a/diagrams/uml/classDiagrams/associationsAsAttributes/squareMultiplicity.pptx
+++ b/diagrams/uml/classDiagrams/associationsAsAttributes/squareMultiplicity.pptx
@@ -104,6 +104,22 @@
       </a:defRPr>
     </a:lvl9pPr>
   </p:defaultTextStyle>
+  <p:extLst>
+    <p:ext uri="{EFAFB233-063F-42B5-8137-9DF3F51BA10A}">
+      <p15:sldGuideLst xmlns:p15="http://schemas.microsoft.com/office/powerpoint/2012/main">
+        <p15:guide id="1" orient="horz" pos="2160">
+          <p15:clr>
+            <a:srgbClr val="A4A3A4"/>
+          </p15:clr>
+        </p15:guide>
+        <p15:guide id="2" pos="2880">
+          <p15:clr>
+            <a:srgbClr val="A4A3A4"/>
+          </p15:clr>
+        </p15:guide>
+      </p15:sldGuideLst>
+    </p:ext>
+  </p:extLst>
 </p:presentation>
 </file>
 
@@ -288,7 +304,7 @@
           <a:p>
             <a:fld id="{A0F86979-30DA-49EE-A740-32EBA6D2B7DE}" type="datetimeFigureOut">
               <a:rPr lang="en-SG" smtClean="0"/>
-              <a:t>2/6/2017</a:t>
+              <a:t>19/11/2017</a:t>
             </a:fld>
             <a:endParaRPr lang="en-SG"/>
           </a:p>
@@ -458,7 +474,7 @@
           <a:p>
             <a:fld id="{A0F86979-30DA-49EE-A740-32EBA6D2B7DE}" type="datetimeFigureOut">
               <a:rPr lang="en-SG" smtClean="0"/>
-              <a:t>2/6/2017</a:t>
+              <a:t>19/11/2017</a:t>
             </a:fld>
             <a:endParaRPr lang="en-SG"/>
           </a:p>
@@ -638,7 +654,7 @@
           <a:p>
             <a:fld id="{A0F86979-30DA-49EE-A740-32EBA6D2B7DE}" type="datetimeFigureOut">
               <a:rPr lang="en-SG" smtClean="0"/>
-              <a:t>2/6/2017</a:t>
+              <a:t>19/11/2017</a:t>
             </a:fld>
             <a:endParaRPr lang="en-SG"/>
           </a:p>
@@ -808,7 +824,7 @@
           <a:p>
             <a:fld id="{A0F86979-30DA-49EE-A740-32EBA6D2B7DE}" type="datetimeFigureOut">
               <a:rPr lang="en-SG" smtClean="0"/>
-              <a:t>2/6/2017</a:t>
+              <a:t>19/11/2017</a:t>
             </a:fld>
             <a:endParaRPr lang="en-SG"/>
           </a:p>
@@ -1054,7 +1070,7 @@
           <a:p>
             <a:fld id="{A0F86979-30DA-49EE-A740-32EBA6D2B7DE}" type="datetimeFigureOut">
               <a:rPr lang="en-SG" smtClean="0"/>
-              <a:t>2/6/2017</a:t>
+              <a:t>19/11/2017</a:t>
             </a:fld>
             <a:endParaRPr lang="en-SG"/>
           </a:p>
@@ -1342,7 +1358,7 @@
           <a:p>
             <a:fld id="{A0F86979-30DA-49EE-A740-32EBA6D2B7DE}" type="datetimeFigureOut">
               <a:rPr lang="en-SG" smtClean="0"/>
-              <a:t>2/6/2017</a:t>
+              <a:t>19/11/2017</a:t>
             </a:fld>
             <a:endParaRPr lang="en-SG"/>
           </a:p>
@@ -1764,7 +1780,7 @@
           <a:p>
             <a:fld id="{A0F86979-30DA-49EE-A740-32EBA6D2B7DE}" type="datetimeFigureOut">
               <a:rPr lang="en-SG" smtClean="0"/>
-              <a:t>2/6/2017</a:t>
+              <a:t>19/11/2017</a:t>
             </a:fld>
             <a:endParaRPr lang="en-SG"/>
           </a:p>
@@ -1882,7 +1898,7 @@
           <a:p>
             <a:fld id="{A0F86979-30DA-49EE-A740-32EBA6D2B7DE}" type="datetimeFigureOut">
               <a:rPr lang="en-SG" smtClean="0"/>
-              <a:t>2/6/2017</a:t>
+              <a:t>19/11/2017</a:t>
             </a:fld>
             <a:endParaRPr lang="en-SG"/>
           </a:p>
@@ -1977,7 +1993,7 @@
           <a:p>
             <a:fld id="{A0F86979-30DA-49EE-A740-32EBA6D2B7DE}" type="datetimeFigureOut">
               <a:rPr lang="en-SG" smtClean="0"/>
-              <a:t>2/6/2017</a:t>
+              <a:t>19/11/2017</a:t>
             </a:fld>
             <a:endParaRPr lang="en-SG"/>
           </a:p>
@@ -2254,7 +2270,7 @@
           <a:p>
             <a:fld id="{A0F86979-30DA-49EE-A740-32EBA6D2B7DE}" type="datetimeFigureOut">
               <a:rPr lang="en-SG" smtClean="0"/>
-              <a:t>2/6/2017</a:t>
+              <a:t>19/11/2017</a:t>
             </a:fld>
             <a:endParaRPr lang="en-SG"/>
           </a:p>
@@ -2507,7 +2523,7 @@
           <a:p>
             <a:fld id="{A0F86979-30DA-49EE-A740-32EBA6D2B7DE}" type="datetimeFigureOut">
               <a:rPr lang="en-SG" smtClean="0"/>
-              <a:t>2/6/2017</a:t>
+              <a:t>19/11/2017</a:t>
             </a:fld>
             <a:endParaRPr lang="en-SG"/>
           </a:p>
@@ -2720,7 +2736,7 @@
           <a:p>
             <a:fld id="{A0F86979-30DA-49EE-A740-32EBA6D2B7DE}" type="datetimeFigureOut">
               <a:rPr lang="en-SG" smtClean="0"/>
-              <a:t>2/6/2017</a:t>
+              <a:t>19/11/2017</a:t>
             </a:fld>
             <a:endParaRPr lang="en-SG"/>
           </a:p>
@@ -3095,100 +3111,44 @@
           <a:chExt cx="0" cy="0"/>
         </a:xfrm>
       </p:grpSpPr>
-      <p:sp>
-        <p:nvSpPr>
-          <p:cNvPr id="112" name="Rectangle 111"/>
-          <p:cNvSpPr/>
+      <p:cxnSp>
+        <p:nvCxnSpPr>
+          <p:cNvPr id="5" name="Straight Connector 4"/>
+          <p:cNvCxnSpPr/>
           <p:nvPr/>
-        </p:nvSpPr>
+        </p:nvCxnSpPr>
         <p:spPr>
           <a:xfrm>
-            <a:off x="390782" y="1359932"/>
-            <a:ext cx="5105400" cy="3505200"/>
-          </a:xfrm>
-          <a:prstGeom prst="rect">
+            <a:off x="5091829" y="1532930"/>
+            <a:ext cx="0" cy="3336230"/>
+          </a:xfrm>
+          <a:prstGeom prst="line">
             <a:avLst/>
           </a:prstGeom>
-          <a:ln>
+          <a:ln w="19050">
             <a:solidFill>
-              <a:schemeClr val="tx2">
-                <a:lumMod val="40000"/>
-                <a:lumOff val="60000"/>
+              <a:schemeClr val="bg1">
+                <a:lumMod val="85000"/>
               </a:schemeClr>
             </a:solidFill>
-            <a:prstDash val="sysDash"/>
+            <a:prstDash val="sysDot"/>
           </a:ln>
         </p:spPr>
         <p:style>
-          <a:lnRef idx="2">
-            <a:schemeClr val="accent5"/>
+          <a:lnRef idx="1">
+            <a:schemeClr val="accent1"/>
           </a:lnRef>
-          <a:fillRef idx="1">
-            <a:schemeClr val="lt1"/>
+          <a:fillRef idx="0">
+            <a:schemeClr val="accent1"/>
           </a:fillRef>
           <a:effectRef idx="0">
-            <a:schemeClr val="accent5"/>
+            <a:schemeClr val="accent1"/>
           </a:effectRef>
           <a:fontRef idx="minor">
-            <a:schemeClr val="dk1"/>
+            <a:schemeClr val="tx1"/>
           </a:fontRef>
         </p:style>
-        <p:txBody>
-          <a:bodyPr rtlCol="0" anchor="ctr"/>
-          <a:lstStyle/>
-          <a:p>
-            <a:pPr algn="ctr"/>
-            <a:endParaRPr lang="en-US" dirty="0"/>
-          </a:p>
-        </p:txBody>
-      </p:sp>
-      <p:sp>
-        <p:nvSpPr>
-          <p:cNvPr id="113" name="Rectangle 112"/>
-          <p:cNvSpPr/>
-          <p:nvPr/>
-        </p:nvSpPr>
-        <p:spPr>
-          <a:xfrm>
-            <a:off x="3743582" y="2731532"/>
-            <a:ext cx="5257800" cy="3505200"/>
-          </a:xfrm>
-          <a:prstGeom prst="rect">
-            <a:avLst/>
-          </a:prstGeom>
-          <a:ln>
-            <a:solidFill>
-              <a:schemeClr val="tx2">
-                <a:lumMod val="40000"/>
-                <a:lumOff val="60000"/>
-              </a:schemeClr>
-            </a:solidFill>
-            <a:prstDash val="solid"/>
-          </a:ln>
-        </p:spPr>
-        <p:style>
-          <a:lnRef idx="2">
-            <a:schemeClr val="accent5"/>
-          </a:lnRef>
-          <a:fillRef idx="1">
-            <a:schemeClr val="lt1"/>
-          </a:fillRef>
-          <a:effectRef idx="0">
-            <a:schemeClr val="accent5"/>
-          </a:effectRef>
-          <a:fontRef idx="minor">
-            <a:schemeClr val="dk1"/>
-          </a:fontRef>
-        </p:style>
-        <p:txBody>
-          <a:bodyPr rtlCol="0" anchor="ctr"/>
-          <a:lstStyle/>
-          <a:p>
-            <a:pPr algn="ctr"/>
-            <a:endParaRPr lang="en-US" dirty="0"/>
-          </a:p>
-        </p:txBody>
-      </p:sp>
+      </p:cxnSp>
       <p:sp>
         <p:nvSpPr>
           <p:cNvPr id="114" name="Rectangle 113"/>
@@ -3197,7 +3157,7 @@
         </p:nvSpPr>
         <p:spPr>
           <a:xfrm>
-            <a:off x="466982" y="1588532"/>
+            <a:off x="179512" y="1588532"/>
             <a:ext cx="1447800" cy="369332"/>
           </a:xfrm>
           <a:prstGeom prst="rect">
@@ -3280,7 +3240,7 @@
         </p:nvSpPr>
         <p:spPr>
           <a:xfrm>
-            <a:off x="4124582" y="2121932"/>
+            <a:off x="3837112" y="2121932"/>
             <a:ext cx="1143000" cy="369332"/>
           </a:xfrm>
           <a:prstGeom prst="rect">
@@ -3373,7 +3333,7 @@
         </p:nvCxnSpPr>
         <p:spPr>
           <a:xfrm>
-            <a:off x="1914782" y="1773198"/>
+            <a:off x="1627312" y="1773198"/>
             <a:ext cx="2781300" cy="348734"/>
           </a:xfrm>
           <a:prstGeom prst="bentConnector2">
@@ -3397,7 +3357,7 @@
         </p:nvSpPr>
         <p:spPr>
           <a:xfrm>
-            <a:off x="2448182" y="1348264"/>
+            <a:off x="2160712" y="1348264"/>
             <a:ext cx="1066800" cy="369332"/>
           </a:xfrm>
           <a:prstGeom prst="rect">
@@ -3466,7 +3426,7 @@
         </p:nvSpPr>
         <p:spPr>
           <a:xfrm>
-            <a:off x="2067182" y="2567464"/>
+            <a:off x="1779712" y="2567464"/>
             <a:ext cx="1143000" cy="369332"/>
           </a:xfrm>
           <a:prstGeom prst="rect">
@@ -3556,7 +3516,7 @@
         </p:nvSpPr>
         <p:spPr>
           <a:xfrm>
-            <a:off x="619382" y="3253264"/>
+            <a:off x="331912" y="3253264"/>
             <a:ext cx="1143000" cy="369332"/>
           </a:xfrm>
           <a:prstGeom prst="rect">
@@ -3663,7 +3623,7 @@
         </p:nvSpPr>
         <p:spPr>
           <a:xfrm>
-            <a:off x="2067182" y="3786664"/>
+            <a:off x="1779712" y="3786664"/>
             <a:ext cx="1143000" cy="369332"/>
           </a:xfrm>
           <a:prstGeom prst="rect">
@@ -3773,7 +3733,7 @@
         </p:nvCxnSpPr>
         <p:spPr>
           <a:xfrm rot="5400000" flipH="1" flipV="1">
-            <a:off x="3251199" y="1694081"/>
+            <a:off x="2963729" y="1694081"/>
             <a:ext cx="260866" cy="1485900"/>
           </a:xfrm>
           <a:prstGeom prst="bentConnector2">
@@ -3800,7 +3760,7 @@
         </p:nvCxnSpPr>
         <p:spPr>
           <a:xfrm rot="5400000">
-            <a:off x="543182" y="2605564"/>
+            <a:off x="255712" y="2605564"/>
             <a:ext cx="1295400" cy="1588"/>
           </a:xfrm>
           <a:prstGeom prst="bentConnector3">
@@ -3829,7 +3789,7 @@
         </p:nvCxnSpPr>
         <p:spPr>
           <a:xfrm rot="5400000" flipH="1" flipV="1">
-            <a:off x="2213748" y="3361730"/>
+            <a:off x="1926278" y="3361730"/>
             <a:ext cx="849868" cy="1588"/>
           </a:xfrm>
           <a:prstGeom prst="bentConnector3">
@@ -3858,7 +3818,7 @@
         </p:nvCxnSpPr>
         <p:spPr>
           <a:xfrm rot="16200000" flipH="1">
-            <a:off x="1454665" y="3358813"/>
+            <a:off x="1167195" y="3358813"/>
             <a:ext cx="348734" cy="876300"/>
           </a:xfrm>
           <a:prstGeom prst="bentConnector2">
@@ -3882,7 +3842,7 @@
         </p:nvSpPr>
         <p:spPr>
           <a:xfrm>
-            <a:off x="2067182" y="4103132"/>
+            <a:off x="1779712" y="4103132"/>
             <a:ext cx="1143000" cy="369332"/>
           </a:xfrm>
           <a:prstGeom prst="rect">
@@ -3989,7 +3949,7 @@
         </p:nvSpPr>
         <p:spPr>
           <a:xfrm>
-            <a:off x="2905382" y="1957864"/>
+            <a:off x="2617912" y="1957864"/>
             <a:ext cx="1066800" cy="369332"/>
           </a:xfrm>
           <a:prstGeom prst="rect">
@@ -4058,7 +4018,7 @@
         </p:nvSpPr>
         <p:spPr>
           <a:xfrm rot="16200000">
-            <a:off x="194448" y="2382798"/>
+            <a:off x="345841" y="2544128"/>
             <a:ext cx="1371600" cy="369332"/>
           </a:xfrm>
           <a:prstGeom prst="rect">
@@ -4145,14 +4105,14 @@
       </p:sp>
       <p:sp>
         <p:nvSpPr>
-          <p:cNvPr id="128" name="TextBox 127"/>
+          <p:cNvPr id="129" name="TextBox 128"/>
           <p:cNvSpPr txBox="1"/>
           <p:nvPr/>
         </p:nvSpPr>
         <p:spPr>
-          <a:xfrm>
-            <a:off x="1152782" y="3634264"/>
-            <a:ext cx="914400" cy="646331"/>
+          <a:xfrm rot="16200000">
+            <a:off x="1726217" y="3351515"/>
+            <a:ext cx="978931" cy="369332"/>
           </a:xfrm>
           <a:prstGeom prst="rect">
             <a:avLst/>
@@ -4183,21 +4143,80 @@
               <a:defRPr/>
             </a:pPr>
             <a:r>
-              <a:rPr kumimoji="0" lang="en-US" sz="1800" b="0" i="0" u="none" strike="noStrike" kern="0" cap="none" spc="0" normalizeH="0" baseline="0" noProof="0" dirty="0" smtClean="0">
+              <a:rPr kumimoji="0" lang="en-US" sz="1800" i="0" u="none" strike="noStrike" kern="0" cap="none" spc="0" normalizeH="0" baseline="0" noProof="0" dirty="0" smtClean="0">
                 <a:ln>
                   <a:noFill/>
                 </a:ln>
                 <a:solidFill>
-                  <a:sysClr val="windowText" lastClr="000000"/>
+                  <a:srgbClr val="FF0000"/>
                 </a:solidFill>
                 <a:effectLst/>
                 <a:uLnTx/>
                 <a:uFillTx/>
                 <a:latin typeface="Calibri" pitchFamily="34" charset="0"/>
               </a:rPr>
-              <a:t>       100</a:t>
-            </a:r>
-          </a:p>
+              <a:t> </a:t>
+            </a:r>
+            <a:r>
+              <a:rPr lang="en-US" kern="0" dirty="0" smtClean="0">
+                <a:solidFill>
+                  <a:srgbClr val="FF0000"/>
+                </a:solidFill>
+                <a:latin typeface="Calibri" pitchFamily="34" charset="0"/>
+              </a:rPr>
+              <a:t>  </a:t>
+            </a:r>
+            <a:r>
+              <a:rPr kumimoji="0" lang="en-US" sz="1800" i="0" u="none" strike="noStrike" kern="0" cap="none" spc="0" normalizeH="0" baseline="0" noProof="0" dirty="0" err="1" smtClean="0">
+                <a:ln>
+                  <a:noFill/>
+                </a:ln>
+                <a:solidFill>
+                  <a:srgbClr val="FF0000"/>
+                </a:solidFill>
+                <a:effectLst/>
+                <a:uLnTx/>
+                <a:uFillTx/>
+                <a:latin typeface="Calibri" pitchFamily="34" charset="0"/>
+              </a:rPr>
+              <a:t>isOn</a:t>
+            </a:r>
+            <a:endParaRPr kumimoji="0" lang="en-US" sz="1800" i="0" u="none" strike="noStrike" kern="0" cap="none" spc="0" normalizeH="0" baseline="0" noProof="0" dirty="0">
+              <a:ln>
+                <a:noFill/>
+              </a:ln>
+              <a:solidFill>
+                <a:srgbClr val="FF0000"/>
+              </a:solidFill>
+              <a:effectLst/>
+              <a:uLnTx/>
+              <a:uFillTx/>
+              <a:latin typeface="Calibri" pitchFamily="34" charset="0"/>
+            </a:endParaRPr>
+          </a:p>
+        </p:txBody>
+      </p:sp>
+      <p:sp>
+        <p:nvSpPr>
+          <p:cNvPr id="130" name="TextBox 129"/>
+          <p:cNvSpPr txBox="1"/>
+          <p:nvPr/>
+        </p:nvSpPr>
+        <p:spPr>
+          <a:xfrm>
+            <a:off x="3837112" y="1729264"/>
+            <a:ext cx="609600" cy="369332"/>
+          </a:xfrm>
+          <a:prstGeom prst="rect">
+            <a:avLst/>
+          </a:prstGeom>
+          <a:noFill/>
+        </p:spPr>
+        <p:txBody>
+          <a:bodyPr wrap="square" rtlCol="0">
+            <a:spAutoFit/>
+          </a:bodyPr>
+          <a:lstStyle/>
           <a:p>
             <a:pPr marL="0" marR="0" lvl="0" indent="0" defTabSz="914400" eaLnBrk="1" fontAlgn="auto" latinLnBrk="0" hangingPunct="1">
               <a:lnSpc>
@@ -4229,9 +4248,9 @@
                 <a:uFillTx/>
                 <a:latin typeface="Calibri" pitchFamily="34" charset="0"/>
               </a:rPr>
-              <a:t>has </a:t>
-            </a:r>
-            <a:endParaRPr kumimoji="0" lang="en-US" sz="1800" b="1" i="0" u="none" strike="noStrike" kern="0" cap="none" spc="0" normalizeH="0" baseline="0" noProof="0" dirty="0">
+              <a:t> 2..*</a:t>
+            </a:r>
+            <a:endParaRPr kumimoji="0" lang="en-US" sz="1800" b="0" i="0" u="none" strike="noStrike" kern="0" cap="none" spc="0" normalizeH="0" baseline="0" noProof="0" dirty="0">
               <a:ln>
                 <a:noFill/>
               </a:ln>
@@ -4248,14 +4267,14 @@
       </p:sp>
       <p:sp>
         <p:nvSpPr>
-          <p:cNvPr id="129" name="TextBox 128"/>
+          <p:cNvPr id="131" name="TextBox 130"/>
           <p:cNvSpPr txBox="1"/>
           <p:nvPr/>
         </p:nvSpPr>
         <p:spPr>
-          <a:xfrm rot="16200000">
-            <a:off x="1914783" y="3112533"/>
-            <a:ext cx="978931" cy="369332"/>
+          <a:xfrm>
+            <a:off x="3474265" y="1972628"/>
+            <a:ext cx="381000" cy="381000"/>
           </a:xfrm>
           <a:prstGeom prst="rect">
             <a:avLst/>
@@ -4286,50 +4305,26 @@
               <a:defRPr/>
             </a:pPr>
             <a:r>
-              <a:rPr kumimoji="0" lang="en-US" sz="1800" b="1" i="0" u="none" strike="noStrike" kern="0" cap="none" spc="0" normalizeH="0" baseline="0" noProof="0" dirty="0" smtClean="0">
+              <a:rPr kumimoji="0" lang="en-US" sz="1800" b="0" i="0" u="none" strike="noStrike" kern="0" cap="none" spc="0" normalizeH="0" baseline="0" noProof="0" dirty="0" smtClean="0">
                 <a:ln>
                   <a:noFill/>
                 </a:ln>
                 <a:solidFill>
-                  <a:srgbClr val="FF0000"/>
+                  <a:sysClr val="windowText" lastClr="000000"/>
                 </a:solidFill>
                 <a:effectLst/>
                 <a:uLnTx/>
                 <a:uFillTx/>
                 <a:latin typeface="Calibri" pitchFamily="34" charset="0"/>
               </a:rPr>
-              <a:t> </a:t>
-            </a:r>
-            <a:r>
-              <a:rPr lang="en-US" b="1" kern="0" dirty="0" smtClean="0">
-                <a:solidFill>
-                  <a:srgbClr val="FF0000"/>
-                </a:solidFill>
-                <a:latin typeface="Calibri" pitchFamily="34" charset="0"/>
-              </a:rPr>
-              <a:t>  </a:t>
-            </a:r>
-            <a:r>
-              <a:rPr kumimoji="0" lang="en-US" sz="1800" b="1" i="0" u="none" strike="noStrike" kern="0" cap="none" spc="0" normalizeH="0" baseline="0" noProof="0" dirty="0" smtClean="0">
-                <a:ln>
-                  <a:noFill/>
-                </a:ln>
-                <a:solidFill>
-                  <a:srgbClr val="FF0000"/>
-                </a:solidFill>
-                <a:effectLst/>
-                <a:uLnTx/>
-                <a:uFillTx/>
-                <a:latin typeface="Calibri" pitchFamily="34" charset="0"/>
-              </a:rPr>
-              <a:t>is on</a:t>
-            </a:r>
-            <a:endParaRPr kumimoji="0" lang="en-US" sz="1800" b="1" i="0" u="none" strike="noStrike" kern="0" cap="none" spc="0" normalizeH="0" baseline="0" noProof="0" dirty="0">
+              <a:t> 1</a:t>
+            </a:r>
+            <a:endParaRPr kumimoji="0" lang="en-US" sz="1800" b="0" i="0" u="none" strike="noStrike" kern="0" cap="none" spc="0" normalizeH="0" baseline="0" noProof="0" dirty="0">
               <a:ln>
                 <a:noFill/>
               </a:ln>
               <a:solidFill>
-                <a:srgbClr val="FF0000"/>
+                <a:sysClr val="windowText" lastClr="000000"/>
               </a:solidFill>
               <a:effectLst/>
               <a:uLnTx/>
@@ -4341,14 +4336,14 @@
       </p:sp>
       <p:sp>
         <p:nvSpPr>
-          <p:cNvPr id="130" name="TextBox 129"/>
+          <p:cNvPr id="132" name="TextBox 131"/>
           <p:cNvSpPr txBox="1"/>
           <p:nvPr/>
         </p:nvSpPr>
         <p:spPr>
           <a:xfrm>
-            <a:off x="4124582" y="1729264"/>
-            <a:ext cx="609600" cy="369332"/>
+            <a:off x="2389312" y="2872264"/>
+            <a:ext cx="381000" cy="381000"/>
           </a:xfrm>
           <a:prstGeom prst="rect">
             <a:avLst/>
@@ -4379,144 +4374,6 @@
               <a:defRPr/>
             </a:pPr>
             <a:r>
-              <a:rPr kumimoji="0" lang="en-US" sz="1800" b="0" i="0" u="none" strike="noStrike" kern="0" cap="none" spc="0" normalizeH="0" baseline="0" noProof="0" dirty="0" smtClean="0">
-                <a:ln>
-                  <a:noFill/>
-                </a:ln>
-                <a:solidFill>
-                  <a:sysClr val="windowText" lastClr="000000"/>
-                </a:solidFill>
-                <a:effectLst/>
-                <a:uLnTx/>
-                <a:uFillTx/>
-                <a:latin typeface="Calibri" pitchFamily="34" charset="0"/>
-              </a:rPr>
-              <a:t> 2..*</a:t>
-            </a:r>
-            <a:endParaRPr kumimoji="0" lang="en-US" sz="1800" b="0" i="0" u="none" strike="noStrike" kern="0" cap="none" spc="0" normalizeH="0" baseline="0" noProof="0" dirty="0">
-              <a:ln>
-                <a:noFill/>
-              </a:ln>
-              <a:solidFill>
-                <a:sysClr val="windowText" lastClr="000000"/>
-              </a:solidFill>
-              <a:effectLst/>
-              <a:uLnTx/>
-              <a:uFillTx/>
-              <a:latin typeface="Calibri" pitchFamily="34" charset="0"/>
-            </a:endParaRPr>
-          </a:p>
-        </p:txBody>
-      </p:sp>
-      <p:sp>
-        <p:nvSpPr>
-          <p:cNvPr id="131" name="TextBox 130"/>
-          <p:cNvSpPr txBox="1"/>
-          <p:nvPr/>
-        </p:nvSpPr>
-        <p:spPr>
-          <a:xfrm>
-            <a:off x="2295782" y="2186464"/>
-            <a:ext cx="381000" cy="381000"/>
-          </a:xfrm>
-          <a:prstGeom prst="rect">
-            <a:avLst/>
-          </a:prstGeom>
-          <a:noFill/>
-        </p:spPr>
-        <p:txBody>
-          <a:bodyPr wrap="square" rtlCol="0">
-            <a:spAutoFit/>
-          </a:bodyPr>
-          <a:lstStyle/>
-          <a:p>
-            <a:pPr marL="0" marR="0" lvl="0" indent="0" defTabSz="914400" eaLnBrk="1" fontAlgn="auto" latinLnBrk="0" hangingPunct="1">
-              <a:lnSpc>
-                <a:spcPct val="100000"/>
-              </a:lnSpc>
-              <a:spcBef>
-                <a:spcPts val="0"/>
-              </a:spcBef>
-              <a:spcAft>
-                <a:spcPts val="0"/>
-              </a:spcAft>
-              <a:buClrTx/>
-              <a:buSzTx/>
-              <a:buFontTx/>
-              <a:buNone/>
-              <a:tabLst/>
-              <a:defRPr/>
-            </a:pPr>
-            <a:r>
-              <a:rPr kumimoji="0" lang="en-US" sz="1800" b="0" i="0" u="none" strike="noStrike" kern="0" cap="none" spc="0" normalizeH="0" baseline="0" noProof="0" dirty="0" smtClean="0">
-                <a:ln>
-                  <a:noFill/>
-                </a:ln>
-                <a:solidFill>
-                  <a:sysClr val="windowText" lastClr="000000"/>
-                </a:solidFill>
-                <a:effectLst/>
-                <a:uLnTx/>
-                <a:uFillTx/>
-                <a:latin typeface="Calibri" pitchFamily="34" charset="0"/>
-              </a:rPr>
-              <a:t> 1</a:t>
-            </a:r>
-            <a:endParaRPr kumimoji="0" lang="en-US" sz="1800" b="0" i="0" u="none" strike="noStrike" kern="0" cap="none" spc="0" normalizeH="0" baseline="0" noProof="0" dirty="0">
-              <a:ln>
-                <a:noFill/>
-              </a:ln>
-              <a:solidFill>
-                <a:sysClr val="windowText" lastClr="000000"/>
-              </a:solidFill>
-              <a:effectLst/>
-              <a:uLnTx/>
-              <a:uFillTx/>
-              <a:latin typeface="Calibri" pitchFamily="34" charset="0"/>
-            </a:endParaRPr>
-          </a:p>
-        </p:txBody>
-      </p:sp>
-      <p:sp>
-        <p:nvSpPr>
-          <p:cNvPr id="132" name="TextBox 131"/>
-          <p:cNvSpPr txBox="1"/>
-          <p:nvPr/>
-        </p:nvSpPr>
-        <p:spPr>
-          <a:xfrm>
-            <a:off x="2676782" y="2872264"/>
-            <a:ext cx="381000" cy="381000"/>
-          </a:xfrm>
-          <a:prstGeom prst="rect">
-            <a:avLst/>
-          </a:prstGeom>
-          <a:noFill/>
-        </p:spPr>
-        <p:txBody>
-          <a:bodyPr wrap="square" rtlCol="0">
-            <a:spAutoFit/>
-          </a:bodyPr>
-          <a:lstStyle/>
-          <a:p>
-            <a:pPr marL="0" marR="0" lvl="0" indent="0" defTabSz="914400" eaLnBrk="1" fontAlgn="auto" latinLnBrk="0" hangingPunct="1">
-              <a:lnSpc>
-                <a:spcPct val="100000"/>
-              </a:lnSpc>
-              <a:spcBef>
-                <a:spcPts val="0"/>
-              </a:spcBef>
-              <a:spcAft>
-                <a:spcPts val="0"/>
-              </a:spcAft>
-              <a:buClrTx/>
-              <a:buSzTx/>
-              <a:buFontTx/>
-              <a:buNone/>
-              <a:tabLst/>
-              <a:defRPr/>
-            </a:pPr>
-            <a:r>
               <a:rPr kumimoji="0" lang="en-US" sz="1800" b="1" i="0" u="none" strike="noStrike" kern="0" cap="none" spc="0" normalizeH="0" baseline="0" noProof="0" dirty="0" smtClean="0">
                 <a:ln>
                   <a:noFill/>
@@ -4548,7 +4405,7 @@
         </p:nvSpPr>
         <p:spPr>
           <a:xfrm>
-            <a:off x="3972182" y="3156466"/>
+            <a:off x="5433935" y="1609130"/>
             <a:ext cx="1447800" cy="369332"/>
           </a:xfrm>
           <a:prstGeom prst="rect">
@@ -4631,7 +4488,7 @@
         </p:nvSpPr>
         <p:spPr>
           <a:xfrm>
-            <a:off x="7629782" y="3689866"/>
+            <a:off x="9091535" y="2142530"/>
             <a:ext cx="1143000" cy="369332"/>
           </a:xfrm>
           <a:prstGeom prst="rect">
@@ -4724,7 +4581,7 @@
         </p:nvCxnSpPr>
         <p:spPr>
           <a:xfrm>
-            <a:off x="5419982" y="3341132"/>
+            <a:off x="6881735" y="1793796"/>
             <a:ext cx="2781300" cy="348734"/>
           </a:xfrm>
           <a:prstGeom prst="bentConnector2">
@@ -4748,7 +4605,7 @@
         </p:nvSpPr>
         <p:spPr>
           <a:xfrm>
-            <a:off x="5953382" y="2916198"/>
+            <a:off x="7415135" y="1368862"/>
             <a:ext cx="1066800" cy="369332"/>
           </a:xfrm>
           <a:prstGeom prst="rect">
@@ -4817,8 +4674,8 @@
         </p:nvSpPr>
         <p:spPr>
           <a:xfrm>
-            <a:off x="5567986" y="4135398"/>
-            <a:ext cx="1447800" cy="369332"/>
+            <a:off x="7029738" y="2588062"/>
+            <a:ext cx="2006757" cy="369332"/>
           </a:xfrm>
           <a:prstGeom prst="rect">
             <a:avLst/>
@@ -4907,7 +4764,7 @@
         </p:nvSpPr>
         <p:spPr>
           <a:xfrm>
-            <a:off x="4124582" y="4821198"/>
+            <a:off x="5586335" y="3273862"/>
             <a:ext cx="1143000" cy="369332"/>
           </a:xfrm>
           <a:prstGeom prst="rect">
@@ -5014,7 +4871,7 @@
         </p:nvSpPr>
         <p:spPr>
           <a:xfrm>
-            <a:off x="5572382" y="5354598"/>
+            <a:off x="7034135" y="3807262"/>
             <a:ext cx="1143000" cy="369332"/>
           </a:xfrm>
           <a:prstGeom prst="rect">
@@ -5124,8 +4981,8 @@
         </p:nvCxnSpPr>
         <p:spPr>
           <a:xfrm rot="5400000" flipH="1" flipV="1">
-            <a:off x="6830401" y="3336017"/>
-            <a:ext cx="260866" cy="1337896"/>
+            <a:off x="8431893" y="1928420"/>
+            <a:ext cx="260866" cy="1058418"/>
           </a:xfrm>
           <a:prstGeom prst="bentConnector2">
             <a:avLst/>
@@ -5151,7 +5008,7 @@
         </p:nvCxnSpPr>
         <p:spPr>
           <a:xfrm rot="5400000">
-            <a:off x="4048382" y="4173498"/>
+            <a:off x="5510135" y="2626162"/>
             <a:ext cx="1295400" cy="1588"/>
           </a:xfrm>
           <a:prstGeom prst="bentConnector3">
@@ -5180,7 +5037,7 @@
         </p:nvCxnSpPr>
         <p:spPr>
           <a:xfrm rot="16200000" flipH="1">
-            <a:off x="4959865" y="4926747"/>
+            <a:off x="6421618" y="3379411"/>
             <a:ext cx="348734" cy="876300"/>
           </a:xfrm>
           <a:prstGeom prst="bentConnector2">
@@ -5204,7 +5061,7 @@
         </p:nvSpPr>
         <p:spPr>
           <a:xfrm>
-            <a:off x="5572382" y="5703332"/>
+            <a:off x="7034135" y="4155996"/>
             <a:ext cx="1143000" cy="369332"/>
           </a:xfrm>
           <a:prstGeom prst="rect">
@@ -5311,7 +5168,7 @@
         </p:nvSpPr>
         <p:spPr>
           <a:xfrm>
-            <a:off x="6410582" y="3525798"/>
+            <a:off x="7872335" y="1978462"/>
             <a:ext cx="1066800" cy="369332"/>
           </a:xfrm>
           <a:prstGeom prst="rect">
@@ -5380,7 +5237,7 @@
         </p:nvSpPr>
         <p:spPr>
           <a:xfrm rot="16200000">
-            <a:off x="3699648" y="3950732"/>
+            <a:off x="5643967" y="2595063"/>
             <a:ext cx="1371600" cy="369332"/>
           </a:xfrm>
           <a:prstGeom prst="rect">
@@ -5473,8 +5330,45 @@
         </p:nvSpPr>
         <p:spPr>
           <a:xfrm>
-            <a:off x="4657982" y="5202198"/>
-            <a:ext cx="914400" cy="646331"/>
+            <a:off x="6157041" y="3679898"/>
+            <a:ext cx="554960" cy="369332"/>
+          </a:xfrm>
+          <a:prstGeom prst="rect">
+            <a:avLst/>
+          </a:prstGeom>
+        </p:spPr>
+        <p:txBody>
+          <a:bodyPr wrap="none">
+            <a:spAutoFit/>
+          </a:bodyPr>
+          <a:lstStyle>
+            <a:defPPr>
+              <a:defRPr lang="en-US"/>
+            </a:defPPr>
+            <a:lvl1pPr lvl="0">
+              <a:defRPr kern="0">
+                <a:latin typeface="Calibri" pitchFamily="34" charset="0"/>
+              </a:defRPr>
+            </a:lvl1pPr>
+          </a:lstStyle>
+          <a:p>
+            <a:r>
+              <a:rPr lang="en-US" dirty="0"/>
+              <a:t>       </a:t>
+            </a:r>
+          </a:p>
+        </p:txBody>
+      </p:sp>
+      <p:sp>
+        <p:nvSpPr>
+          <p:cNvPr id="147" name="TextBox 146"/>
+          <p:cNvSpPr txBox="1"/>
+          <p:nvPr/>
+        </p:nvSpPr>
+        <p:spPr>
+          <a:xfrm>
+            <a:off x="9091535" y="1749862"/>
+            <a:ext cx="609600" cy="369332"/>
           </a:xfrm>
           <a:prstGeom prst="rect">
             <a:avLst/>
@@ -5517,9 +5411,44 @@
                 <a:uFillTx/>
                 <a:latin typeface="Calibri" pitchFamily="34" charset="0"/>
               </a:rPr>
-              <a:t>       100</a:t>
-            </a:r>
-          </a:p>
+              <a:t> 2..*</a:t>
+            </a:r>
+            <a:endParaRPr kumimoji="0" lang="en-US" sz="1800" b="0" i="0" u="none" strike="noStrike" kern="0" cap="none" spc="0" normalizeH="0" baseline="0" noProof="0" dirty="0">
+              <a:ln>
+                <a:noFill/>
+              </a:ln>
+              <a:solidFill>
+                <a:sysClr val="windowText" lastClr="000000"/>
+              </a:solidFill>
+              <a:effectLst/>
+              <a:uLnTx/>
+              <a:uFillTx/>
+              <a:latin typeface="Calibri" pitchFamily="34" charset="0"/>
+            </a:endParaRPr>
+          </a:p>
+        </p:txBody>
+      </p:sp>
+      <p:sp>
+        <p:nvSpPr>
+          <p:cNvPr id="148" name="TextBox 147"/>
+          <p:cNvSpPr txBox="1"/>
+          <p:nvPr/>
+        </p:nvSpPr>
+        <p:spPr>
+          <a:xfrm>
+            <a:off x="8746841" y="1984296"/>
+            <a:ext cx="381000" cy="381000"/>
+          </a:xfrm>
+          <a:prstGeom prst="rect">
+            <a:avLst/>
+          </a:prstGeom>
+          <a:noFill/>
+        </p:spPr>
+        <p:txBody>
+          <a:bodyPr wrap="square" rtlCol="0">
+            <a:spAutoFit/>
+          </a:bodyPr>
+          <a:lstStyle/>
           <a:p>
             <a:pPr marL="0" marR="0" lvl="0" indent="0" defTabSz="914400" eaLnBrk="1" fontAlgn="auto" latinLnBrk="0" hangingPunct="1">
               <a:lnSpc>
@@ -5551,76 +5480,7 @@
                 <a:uFillTx/>
                 <a:latin typeface="Calibri" pitchFamily="34" charset="0"/>
               </a:rPr>
-              <a:t>has</a:t>
-            </a:r>
-            <a:endParaRPr kumimoji="0" lang="en-US" sz="1800" b="1" i="0" u="none" strike="noStrike" kern="0" cap="none" spc="0" normalizeH="0" baseline="0" noProof="0" dirty="0">
-              <a:ln>
-                <a:noFill/>
-              </a:ln>
-              <a:solidFill>
-                <a:sysClr val="windowText" lastClr="000000"/>
-              </a:solidFill>
-              <a:effectLst/>
-              <a:uLnTx/>
-              <a:uFillTx/>
-              <a:latin typeface="Calibri" pitchFamily="34" charset="0"/>
-            </a:endParaRPr>
-          </a:p>
-        </p:txBody>
-      </p:sp>
-      <p:sp>
-        <p:nvSpPr>
-          <p:cNvPr id="147" name="TextBox 146"/>
-          <p:cNvSpPr txBox="1"/>
-          <p:nvPr/>
-        </p:nvSpPr>
-        <p:spPr>
-          <a:xfrm>
-            <a:off x="7629782" y="3297198"/>
-            <a:ext cx="609600" cy="369332"/>
-          </a:xfrm>
-          <a:prstGeom prst="rect">
-            <a:avLst/>
-          </a:prstGeom>
-          <a:noFill/>
-        </p:spPr>
-        <p:txBody>
-          <a:bodyPr wrap="square" rtlCol="0">
-            <a:spAutoFit/>
-          </a:bodyPr>
-          <a:lstStyle/>
-          <a:p>
-            <a:pPr marL="0" marR="0" lvl="0" indent="0" defTabSz="914400" eaLnBrk="1" fontAlgn="auto" latinLnBrk="0" hangingPunct="1">
-              <a:lnSpc>
-                <a:spcPct val="100000"/>
-              </a:lnSpc>
-              <a:spcBef>
-                <a:spcPts val="0"/>
-              </a:spcBef>
-              <a:spcAft>
-                <a:spcPts val="0"/>
-              </a:spcAft>
-              <a:buClrTx/>
-              <a:buSzTx/>
-              <a:buFontTx/>
-              <a:buNone/>
-              <a:tabLst/>
-              <a:defRPr/>
-            </a:pPr>
-            <a:r>
-              <a:rPr kumimoji="0" lang="en-US" sz="1800" b="0" i="0" u="none" strike="noStrike" kern="0" cap="none" spc="0" normalizeH="0" baseline="0" noProof="0" dirty="0" smtClean="0">
-                <a:ln>
-                  <a:noFill/>
-                </a:ln>
-                <a:solidFill>
-                  <a:sysClr val="windowText" lastClr="000000"/>
-                </a:solidFill>
-                <a:effectLst/>
-                <a:uLnTx/>
-                <a:uFillTx/>
-                <a:latin typeface="Calibri" pitchFamily="34" charset="0"/>
-              </a:rPr>
-              <a:t> 2..*</a:t>
+              <a:t> 1</a:t>
             </a:r>
             <a:endParaRPr kumimoji="0" lang="en-US" sz="1800" b="0" i="0" u="none" strike="noStrike" kern="0" cap="none" spc="0" normalizeH="0" baseline="0" noProof="0" dirty="0">
               <a:ln>
@@ -5639,83 +5499,14 @@
       </p:sp>
       <p:sp>
         <p:nvSpPr>
-          <p:cNvPr id="148" name="TextBox 147"/>
-          <p:cNvSpPr txBox="1"/>
-          <p:nvPr/>
-        </p:nvSpPr>
-        <p:spPr>
-          <a:xfrm>
-            <a:off x="5800982" y="3754398"/>
-            <a:ext cx="381000" cy="381000"/>
-          </a:xfrm>
-          <a:prstGeom prst="rect">
-            <a:avLst/>
-          </a:prstGeom>
-          <a:noFill/>
-        </p:spPr>
-        <p:txBody>
-          <a:bodyPr wrap="square" rtlCol="0">
-            <a:spAutoFit/>
-          </a:bodyPr>
-          <a:lstStyle/>
-          <a:p>
-            <a:pPr marL="0" marR="0" lvl="0" indent="0" defTabSz="914400" eaLnBrk="1" fontAlgn="auto" latinLnBrk="0" hangingPunct="1">
-              <a:lnSpc>
-                <a:spcPct val="100000"/>
-              </a:lnSpc>
-              <a:spcBef>
-                <a:spcPts val="0"/>
-              </a:spcBef>
-              <a:spcAft>
-                <a:spcPts val="0"/>
-              </a:spcAft>
-              <a:buClrTx/>
-              <a:buSzTx/>
-              <a:buFontTx/>
-              <a:buNone/>
-              <a:tabLst/>
-              <a:defRPr/>
-            </a:pPr>
-            <a:r>
-              <a:rPr kumimoji="0" lang="en-US" sz="1800" b="0" i="0" u="none" strike="noStrike" kern="0" cap="none" spc="0" normalizeH="0" baseline="0" noProof="0" dirty="0" smtClean="0">
-                <a:ln>
-                  <a:noFill/>
-                </a:ln>
-                <a:solidFill>
-                  <a:sysClr val="windowText" lastClr="000000"/>
-                </a:solidFill>
-                <a:effectLst/>
-                <a:uLnTx/>
-                <a:uFillTx/>
-                <a:latin typeface="Calibri" pitchFamily="34" charset="0"/>
-              </a:rPr>
-              <a:t> 1</a:t>
-            </a:r>
-            <a:endParaRPr kumimoji="0" lang="en-US" sz="1800" b="0" i="0" u="none" strike="noStrike" kern="0" cap="none" spc="0" normalizeH="0" baseline="0" noProof="0" dirty="0">
-              <a:ln>
-                <a:noFill/>
-              </a:ln>
-              <a:solidFill>
-                <a:sysClr val="windowText" lastClr="000000"/>
-              </a:solidFill>
-              <a:effectLst/>
-              <a:uLnTx/>
-              <a:uFillTx/>
-              <a:latin typeface="Calibri" pitchFamily="34" charset="0"/>
-            </a:endParaRPr>
-          </a:p>
-        </p:txBody>
-      </p:sp>
-      <p:sp>
-        <p:nvSpPr>
           <p:cNvPr id="149" name="Rectangle 148"/>
           <p:cNvSpPr/>
           <p:nvPr/>
         </p:nvSpPr>
         <p:spPr>
           <a:xfrm>
-            <a:off x="5567986" y="4484132"/>
-            <a:ext cx="1447800" cy="369332"/>
+            <a:off x="7029738" y="2936796"/>
+            <a:ext cx="2006757" cy="369332"/>
           </a:xfrm>
           <a:prstGeom prst="rect">
             <a:avLst/>
@@ -5778,6 +5569,36 @@
               </a:rPr>
               <a:t>isOn:Square</a:t>
             </a:r>
+            <a:r>
+              <a:rPr kumimoji="0" lang="en-US" sz="1800" b="1" i="0" u="none" strike="noStrike" kern="0" cap="none" spc="0" normalizeH="0" baseline="0" noProof="0" dirty="0" smtClean="0">
+                <a:ln>
+                  <a:noFill/>
+                </a:ln>
+                <a:solidFill>
+                  <a:srgbClr val="FF0000"/>
+                </a:solidFill>
+                <a:effectLst/>
+                <a:uLnTx/>
+                <a:uFillTx/>
+                <a:latin typeface="Calibri" pitchFamily="34" charset="0"/>
+              </a:rPr>
+              <a:t> =</a:t>
+            </a:r>
+            <a:r>
+              <a:rPr kumimoji="0" lang="en-US" sz="1800" b="1" i="0" u="none" strike="noStrike" kern="0" cap="none" spc="0" normalizeH="0" noProof="0" dirty="0" smtClean="0">
+                <a:ln>
+                  <a:noFill/>
+                </a:ln>
+                <a:solidFill>
+                  <a:srgbClr val="FF0000"/>
+                </a:solidFill>
+                <a:effectLst/>
+                <a:uLnTx/>
+                <a:uFillTx/>
+                <a:latin typeface="Calibri" pitchFamily="34" charset="0"/>
+              </a:rPr>
+              <a:t> null</a:t>
+            </a:r>
             <a:endParaRPr kumimoji="0" lang="en-US" sz="1800" b="1" i="0" u="none" strike="noStrike" kern="0" cap="none" spc="0" normalizeH="0" baseline="0" noProof="0" dirty="0">
               <a:ln>
                 <a:noFill/>
@@ -5801,7 +5622,7 @@
         </p:nvSpPr>
         <p:spPr>
           <a:xfrm>
-            <a:off x="2676782" y="3341132"/>
+            <a:off x="2310904" y="3479865"/>
             <a:ext cx="609600" cy="369332"/>
           </a:xfrm>
           <a:prstGeom prst="rect">
@@ -5870,23 +5691,21 @@
         </p:nvSpPr>
         <p:spPr>
           <a:xfrm>
-            <a:off x="3362582" y="4636532"/>
+            <a:off x="4886369" y="2728794"/>
             <a:ext cx="533400" cy="457200"/>
           </a:xfrm>
           <a:prstGeom prst="stripedRightArrow">
             <a:avLst/>
           </a:prstGeom>
           <a:solidFill>
-            <a:schemeClr val="accent2">
-              <a:lumMod val="20000"/>
-              <a:lumOff val="80000"/>
+            <a:schemeClr val="bg1">
+              <a:lumMod val="75000"/>
             </a:schemeClr>
           </a:solidFill>
           <a:ln>
             <a:solidFill>
-              <a:schemeClr val="accent2">
-                <a:lumMod val="40000"/>
-                <a:lumOff val="60000"/>
+              <a:schemeClr val="bg1">
+                <a:lumMod val="85000"/>
               </a:schemeClr>
             </a:solidFill>
           </a:ln>
@@ -5922,7 +5741,7 @@
         </p:nvSpPr>
         <p:spPr>
           <a:xfrm>
-            <a:off x="2067182" y="4472409"/>
+            <a:off x="1779712" y="4472409"/>
             <a:ext cx="1143000" cy="152400"/>
           </a:xfrm>
           <a:prstGeom prst="rect">
@@ -6014,7 +5833,7 @@
         </p:nvSpPr>
         <p:spPr>
           <a:xfrm>
-            <a:off x="5572382" y="5996464"/>
+            <a:off x="7034135" y="4449128"/>
             <a:ext cx="1143000" cy="152400"/>
           </a:xfrm>
           <a:prstGeom prst="rect">
@@ -6106,8 +5925,8 @@
         </p:nvSpPr>
         <p:spPr>
           <a:xfrm>
-            <a:off x="5567986" y="4809475"/>
-            <a:ext cx="1447800" cy="184666"/>
+            <a:off x="7029738" y="3262139"/>
+            <a:ext cx="2006757" cy="184666"/>
           </a:xfrm>
           <a:prstGeom prst="rect">
             <a:avLst/>
@@ -6164,6 +5983,499 @@
               <a:uFillTx/>
               <a:latin typeface="Calibri" pitchFamily="34" charset="0"/>
             </a:endParaRPr>
+          </a:p>
+        </p:txBody>
+      </p:sp>
+      <p:sp>
+        <p:nvSpPr>
+          <p:cNvPr id="45" name="TextBox 44"/>
+          <p:cNvSpPr txBox="1"/>
+          <p:nvPr/>
+        </p:nvSpPr>
+        <p:spPr>
+          <a:xfrm>
+            <a:off x="6061319" y="4022538"/>
+            <a:ext cx="952500" cy="369332"/>
+          </a:xfrm>
+          <a:prstGeom prst="rect">
+            <a:avLst/>
+          </a:prstGeom>
+          <a:noFill/>
+        </p:spPr>
+        <p:txBody>
+          <a:bodyPr wrap="square" rtlCol="0">
+            <a:spAutoFit/>
+          </a:bodyPr>
+          <a:lstStyle/>
+          <a:p>
+            <a:pPr marL="0" marR="0" lvl="0" indent="0" defTabSz="914400" eaLnBrk="1" fontAlgn="auto" latinLnBrk="0" hangingPunct="1">
+              <a:lnSpc>
+                <a:spcPct val="100000"/>
+              </a:lnSpc>
+              <a:spcBef>
+                <a:spcPts val="0"/>
+              </a:spcBef>
+              <a:spcAft>
+                <a:spcPts val="0"/>
+              </a:spcAft>
+              <a:buClrTx/>
+              <a:buSzTx/>
+              <a:buFontTx/>
+              <a:buNone/>
+              <a:tabLst/>
+              <a:defRPr/>
+            </a:pPr>
+            <a:r>
+              <a:rPr kumimoji="0" lang="en-US" sz="1800" b="0" i="0" u="none" strike="noStrike" kern="0" cap="none" spc="0" normalizeH="0" baseline="0" noProof="0" dirty="0" smtClean="0">
+                <a:ln>
+                  <a:noFill/>
+                </a:ln>
+                <a:solidFill>
+                  <a:sysClr val="windowText" lastClr="000000"/>
+                </a:solidFill>
+                <a:effectLst/>
+                <a:uLnTx/>
+                <a:uFillTx/>
+                <a:latin typeface="Calibri" pitchFamily="34" charset="0"/>
+              </a:rPr>
+              <a:t>     </a:t>
+            </a:r>
+            <a:endParaRPr kumimoji="0" lang="en-US" sz="1800" i="0" u="none" strike="noStrike" kern="0" cap="none" spc="0" normalizeH="0" baseline="0" noProof="0" dirty="0" smtClean="0">
+              <a:ln>
+                <a:noFill/>
+              </a:ln>
+              <a:solidFill>
+                <a:srgbClr val="7030A0"/>
+              </a:solidFill>
+              <a:effectLst/>
+              <a:uLnTx/>
+              <a:uFillTx/>
+              <a:latin typeface="Calibri" pitchFamily="34" charset="0"/>
+            </a:endParaRPr>
+          </a:p>
+        </p:txBody>
+      </p:sp>
+      <p:sp>
+        <p:nvSpPr>
+          <p:cNvPr id="2" name="Rectangle 1"/>
+          <p:cNvSpPr/>
+          <p:nvPr/>
+        </p:nvSpPr>
+        <p:spPr>
+          <a:xfrm>
+            <a:off x="6195935" y="3968591"/>
+            <a:ext cx="925253" cy="369332"/>
+          </a:xfrm>
+          <a:prstGeom prst="rect">
+            <a:avLst/>
+          </a:prstGeom>
+        </p:spPr>
+        <p:txBody>
+          <a:bodyPr wrap="none">
+            <a:spAutoFit/>
+          </a:bodyPr>
+          <a:lstStyle/>
+          <a:p>
+            <a:pPr lvl="0">
+              <a:defRPr/>
+            </a:pPr>
+            <a:r>
+              <a:rPr lang="en-US" kern="0" dirty="0">
+                <a:latin typeface="Calibri" pitchFamily="34" charset="0"/>
+              </a:rPr>
+              <a:t>squares</a:t>
+            </a:r>
+          </a:p>
+        </p:txBody>
+      </p:sp>
+      <p:sp>
+        <p:nvSpPr>
+          <p:cNvPr id="48" name="TextBox 47"/>
+          <p:cNvSpPr txBox="1"/>
+          <p:nvPr/>
+        </p:nvSpPr>
+        <p:spPr>
+          <a:xfrm>
+            <a:off x="902802" y="3648125"/>
+            <a:ext cx="952500" cy="369332"/>
+          </a:xfrm>
+          <a:prstGeom prst="rect">
+            <a:avLst/>
+          </a:prstGeom>
+          <a:noFill/>
+        </p:spPr>
+        <p:txBody>
+          <a:bodyPr wrap="square" rtlCol="0">
+            <a:spAutoFit/>
+          </a:bodyPr>
+          <a:lstStyle/>
+          <a:p>
+            <a:pPr marL="0" marR="0" lvl="0" indent="0" defTabSz="914400" eaLnBrk="1" fontAlgn="auto" latinLnBrk="0" hangingPunct="1">
+              <a:lnSpc>
+                <a:spcPct val="100000"/>
+              </a:lnSpc>
+              <a:spcBef>
+                <a:spcPts val="0"/>
+              </a:spcBef>
+              <a:spcAft>
+                <a:spcPts val="0"/>
+              </a:spcAft>
+              <a:buClrTx/>
+              <a:buSzTx/>
+              <a:buFontTx/>
+              <a:buNone/>
+              <a:tabLst/>
+              <a:defRPr/>
+            </a:pPr>
+            <a:r>
+              <a:rPr kumimoji="0" lang="en-US" sz="1800" i="0" u="none" strike="noStrike" kern="0" cap="none" spc="0" normalizeH="0" baseline="0" noProof="0" dirty="0" smtClean="0">
+                <a:ln>
+                  <a:noFill/>
+                </a:ln>
+                <a:effectLst/>
+                <a:uLnTx/>
+                <a:uFillTx/>
+                <a:latin typeface="Calibri" pitchFamily="34" charset="0"/>
+              </a:rPr>
+              <a:t>       100</a:t>
+            </a:r>
+          </a:p>
+        </p:txBody>
+      </p:sp>
+      <p:sp>
+        <p:nvSpPr>
+          <p:cNvPr id="49" name="Rectangle 48"/>
+          <p:cNvSpPr/>
+          <p:nvPr/>
+        </p:nvSpPr>
+        <p:spPr>
+          <a:xfrm>
+            <a:off x="941696" y="3936818"/>
+            <a:ext cx="925253" cy="369332"/>
+          </a:xfrm>
+          <a:prstGeom prst="rect">
+            <a:avLst/>
+          </a:prstGeom>
+        </p:spPr>
+        <p:txBody>
+          <a:bodyPr wrap="none">
+            <a:spAutoFit/>
+          </a:bodyPr>
+          <a:lstStyle/>
+          <a:p>
+            <a:pPr lvl="0">
+              <a:defRPr/>
+            </a:pPr>
+            <a:r>
+              <a:rPr lang="en-US" kern="0" dirty="0">
+                <a:latin typeface="Calibri" pitchFamily="34" charset="0"/>
+              </a:rPr>
+              <a:t>squares</a:t>
+            </a:r>
+          </a:p>
+        </p:txBody>
+      </p:sp>
+      <p:sp>
+        <p:nvSpPr>
+          <p:cNvPr id="3" name="Rectangle 2"/>
+          <p:cNvSpPr/>
+          <p:nvPr/>
+        </p:nvSpPr>
+        <p:spPr>
+          <a:xfrm>
+            <a:off x="6545065" y="3672720"/>
+            <a:ext cx="535724" cy="369332"/>
+          </a:xfrm>
+          <a:prstGeom prst="rect">
+            <a:avLst/>
+          </a:prstGeom>
+        </p:spPr>
+        <p:txBody>
+          <a:bodyPr wrap="none">
+            <a:spAutoFit/>
+          </a:bodyPr>
+          <a:lstStyle/>
+          <a:p>
+            <a:r>
+              <a:rPr lang="en-US" dirty="0"/>
+              <a:t>100</a:t>
+            </a:r>
+          </a:p>
+        </p:txBody>
+      </p:sp>
+      <p:sp>
+        <p:nvSpPr>
+          <p:cNvPr id="4" name="Isosceles Triangle 3"/>
+          <p:cNvSpPr/>
+          <p:nvPr/>
+        </p:nvSpPr>
+        <p:spPr>
+          <a:xfrm>
+            <a:off x="976062" y="2119194"/>
+            <a:ext cx="140324" cy="95843"/>
+          </a:xfrm>
+          <a:prstGeom prst="triangle">
+            <a:avLst/>
+          </a:prstGeom>
+          <a:solidFill>
+            <a:schemeClr val="tx1"/>
+          </a:solidFill>
+          <a:ln>
+            <a:noFill/>
+          </a:ln>
+        </p:spPr>
+        <p:style>
+          <a:lnRef idx="2">
+            <a:schemeClr val="accent1">
+              <a:shade val="50000"/>
+            </a:schemeClr>
+          </a:lnRef>
+          <a:fillRef idx="1">
+            <a:schemeClr val="accent1"/>
+          </a:fillRef>
+          <a:effectRef idx="0">
+            <a:schemeClr val="accent1"/>
+          </a:effectRef>
+          <a:fontRef idx="minor">
+            <a:schemeClr val="lt1"/>
+          </a:fontRef>
+        </p:style>
+        <p:txBody>
+          <a:bodyPr rtlCol="0" anchor="ctr"/>
+          <a:lstStyle/>
+          <a:p>
+            <a:pPr algn="ctr"/>
+            <a:endParaRPr lang="en-US"/>
+          </a:p>
+        </p:txBody>
+      </p:sp>
+      <p:sp>
+        <p:nvSpPr>
+          <p:cNvPr id="50" name="Isosceles Triangle 49"/>
+          <p:cNvSpPr/>
+          <p:nvPr/>
+        </p:nvSpPr>
+        <p:spPr>
+          <a:xfrm>
+            <a:off x="6274633" y="2163128"/>
+            <a:ext cx="140324" cy="95843"/>
+          </a:xfrm>
+          <a:prstGeom prst="triangle">
+            <a:avLst/>
+          </a:prstGeom>
+          <a:solidFill>
+            <a:schemeClr val="tx1"/>
+          </a:solidFill>
+          <a:ln>
+            <a:noFill/>
+          </a:ln>
+        </p:spPr>
+        <p:style>
+          <a:lnRef idx="2">
+            <a:schemeClr val="accent1">
+              <a:shade val="50000"/>
+            </a:schemeClr>
+          </a:lnRef>
+          <a:fillRef idx="1">
+            <a:schemeClr val="accent1"/>
+          </a:fillRef>
+          <a:effectRef idx="0">
+            <a:schemeClr val="accent1"/>
+          </a:effectRef>
+          <a:fontRef idx="minor">
+            <a:schemeClr val="lt1"/>
+          </a:fontRef>
+        </p:style>
+        <p:txBody>
+          <a:bodyPr rtlCol="0" anchor="ctr"/>
+          <a:lstStyle/>
+          <a:p>
+            <a:pPr algn="ctr"/>
+            <a:endParaRPr lang="en-US"/>
+          </a:p>
+        </p:txBody>
+      </p:sp>
+      <p:sp>
+        <p:nvSpPr>
+          <p:cNvPr id="51" name="Isosceles Triangle 50"/>
+          <p:cNvSpPr/>
+          <p:nvPr/>
+        </p:nvSpPr>
+        <p:spPr>
+          <a:xfrm rot="16200000" flipH="1">
+            <a:off x="2083786" y="1508190"/>
+            <a:ext cx="140324" cy="95843"/>
+          </a:xfrm>
+          <a:prstGeom prst="triangle">
+            <a:avLst/>
+          </a:prstGeom>
+          <a:solidFill>
+            <a:schemeClr val="tx1"/>
+          </a:solidFill>
+          <a:ln>
+            <a:noFill/>
+          </a:ln>
+        </p:spPr>
+        <p:style>
+          <a:lnRef idx="2">
+            <a:schemeClr val="accent1">
+              <a:shade val="50000"/>
+            </a:schemeClr>
+          </a:lnRef>
+          <a:fillRef idx="1">
+            <a:schemeClr val="accent1"/>
+          </a:fillRef>
+          <a:effectRef idx="0">
+            <a:schemeClr val="accent1"/>
+          </a:effectRef>
+          <a:fontRef idx="minor">
+            <a:schemeClr val="lt1"/>
+          </a:fontRef>
+        </p:style>
+        <p:txBody>
+          <a:bodyPr rtlCol="0" anchor="ctr"/>
+          <a:lstStyle/>
+          <a:p>
+            <a:pPr algn="ctr"/>
+            <a:endParaRPr lang="en-US"/>
+          </a:p>
+        </p:txBody>
+      </p:sp>
+      <p:sp>
+        <p:nvSpPr>
+          <p:cNvPr id="53" name="Isosceles Triangle 52"/>
+          <p:cNvSpPr/>
+          <p:nvPr/>
+        </p:nvSpPr>
+        <p:spPr>
+          <a:xfrm rot="16200000" flipH="1">
+            <a:off x="2558269" y="2115207"/>
+            <a:ext cx="140324" cy="95843"/>
+          </a:xfrm>
+          <a:prstGeom prst="triangle">
+            <a:avLst/>
+          </a:prstGeom>
+          <a:solidFill>
+            <a:schemeClr val="tx1"/>
+          </a:solidFill>
+          <a:ln>
+            <a:noFill/>
+          </a:ln>
+        </p:spPr>
+        <p:style>
+          <a:lnRef idx="2">
+            <a:schemeClr val="accent1">
+              <a:shade val="50000"/>
+            </a:schemeClr>
+          </a:lnRef>
+          <a:fillRef idx="1">
+            <a:schemeClr val="accent1"/>
+          </a:fillRef>
+          <a:effectRef idx="0">
+            <a:schemeClr val="accent1"/>
+          </a:effectRef>
+          <a:fontRef idx="minor">
+            <a:schemeClr val="lt1"/>
+          </a:fontRef>
+        </p:style>
+        <p:txBody>
+          <a:bodyPr rtlCol="0" anchor="ctr"/>
+          <a:lstStyle/>
+          <a:p>
+            <a:pPr algn="ctr"/>
+            <a:endParaRPr lang="en-US"/>
+          </a:p>
+        </p:txBody>
+      </p:sp>
+      <p:sp>
+        <p:nvSpPr>
+          <p:cNvPr id="54" name="Isosceles Triangle 53"/>
+          <p:cNvSpPr/>
+          <p:nvPr/>
+        </p:nvSpPr>
+        <p:spPr>
+          <a:xfrm rot="16200000" flipH="1">
+            <a:off x="7892071" y="2116307"/>
+            <a:ext cx="140324" cy="95843"/>
+          </a:xfrm>
+          <a:prstGeom prst="triangle">
+            <a:avLst/>
+          </a:prstGeom>
+          <a:solidFill>
+            <a:schemeClr val="tx1"/>
+          </a:solidFill>
+          <a:ln>
+            <a:noFill/>
+          </a:ln>
+        </p:spPr>
+        <p:style>
+          <a:lnRef idx="2">
+            <a:schemeClr val="accent1">
+              <a:shade val="50000"/>
+            </a:schemeClr>
+          </a:lnRef>
+          <a:fillRef idx="1">
+            <a:schemeClr val="accent1"/>
+          </a:fillRef>
+          <a:effectRef idx="0">
+            <a:schemeClr val="accent1"/>
+          </a:effectRef>
+          <a:fontRef idx="minor">
+            <a:schemeClr val="lt1"/>
+          </a:fontRef>
+        </p:style>
+        <p:txBody>
+          <a:bodyPr rtlCol="0" anchor="ctr"/>
+          <a:lstStyle/>
+          <a:p>
+            <a:pPr algn="ctr"/>
+            <a:endParaRPr lang="en-US"/>
+          </a:p>
+        </p:txBody>
+      </p:sp>
+      <p:sp>
+        <p:nvSpPr>
+          <p:cNvPr id="55" name="Isosceles Triangle 54"/>
+          <p:cNvSpPr/>
+          <p:nvPr/>
+        </p:nvSpPr>
+        <p:spPr>
+          <a:xfrm rot="16200000" flipH="1">
+            <a:off x="7391107" y="1525037"/>
+            <a:ext cx="140324" cy="95843"/>
+          </a:xfrm>
+          <a:prstGeom prst="triangle">
+            <a:avLst/>
+          </a:prstGeom>
+          <a:solidFill>
+            <a:schemeClr val="tx1"/>
+          </a:solidFill>
+          <a:ln>
+            <a:noFill/>
+          </a:ln>
+        </p:spPr>
+        <p:style>
+          <a:lnRef idx="2">
+            <a:schemeClr val="accent1">
+              <a:shade val="50000"/>
+            </a:schemeClr>
+          </a:lnRef>
+          <a:fillRef idx="1">
+            <a:schemeClr val="accent1"/>
+          </a:fillRef>
+          <a:effectRef idx="0">
+            <a:schemeClr val="accent1"/>
+          </a:effectRef>
+          <a:fontRef idx="minor">
+            <a:schemeClr val="lt1"/>
+          </a:fontRef>
+        </p:style>
+        <p:txBody>
+          <a:bodyPr rtlCol="0" anchor="ctr"/>
+          <a:lstStyle/>
+          <a:p>
+            <a:pPr algn="ctr"/>
+            <a:endParaRPr lang="en-US"/>
           </a:p>
         </p:txBody>
       </p:sp>
